--- a/tehtavat/tiedostot/maol/power_point/Racket-MAOL-5-6-kuvat.pptx
+++ b/tehtavat/tiedostot/maol/power_point/Racket-MAOL-5-6-kuvat.pptx
@@ -12521,7 +12521,25 @@
                 </a:solidFill>
                 <a:latin typeface="Arial" charset="0"/>
               </a:rPr>
-              <a:t>Vinkki: saalaa luvut niin, että saat suorakulmioiden sarjan mahtumaan ruudulle</a:t>
+              <a:t>Vinkki</a:t>
+            </a:r>
+            <a:r>
+              <a:rPr lang="fi-FI" sz="2200" i="1">
+                <a:solidFill>
+                  <a:schemeClr val="tx1"/>
+                </a:solidFill>
+                <a:latin typeface="Arial" charset="0"/>
+              </a:rPr>
+              <a:t>: skaalaa </a:t>
+            </a:r>
+            <a:r>
+              <a:rPr lang="fi-FI" sz="2200" i="1" dirty="0">
+                <a:solidFill>
+                  <a:schemeClr val="tx1"/>
+                </a:solidFill>
+                <a:latin typeface="Arial" charset="0"/>
+              </a:rPr>
+              <a:t>luvut niin, että saat suorakulmioiden sarjan mahtumaan ruudulle</a:t>
             </a:r>
           </a:p>
         </p:txBody>

--- a/tehtavat/tiedostot/maol/power_point/Racket-MAOL-5-6-kuvat.pptx
+++ b/tehtavat/tiedostot/maol/power_point/Racket-MAOL-5-6-kuvat.pptx
@@ -12521,25 +12521,7 @@
                 </a:solidFill>
                 <a:latin typeface="Arial" charset="0"/>
               </a:rPr>
-              <a:t>Vinkki</a:t>
-            </a:r>
-            <a:r>
-              <a:rPr lang="fi-FI" sz="2200" i="1">
-                <a:solidFill>
-                  <a:schemeClr val="tx1"/>
-                </a:solidFill>
-                <a:latin typeface="Arial" charset="0"/>
-              </a:rPr>
-              <a:t>: skaalaa </a:t>
-            </a:r>
-            <a:r>
-              <a:rPr lang="fi-FI" sz="2200" i="1" dirty="0">
-                <a:solidFill>
-                  <a:schemeClr val="tx1"/>
-                </a:solidFill>
-                <a:latin typeface="Arial" charset="0"/>
-              </a:rPr>
-              <a:t>luvut niin, että saat suorakulmioiden sarjan mahtumaan ruudulle</a:t>
+              <a:t>Vinkki: skaalaa luvut niin, että saat suorakulmioiden sarjan mahtumaan ruudulle</a:t>
             </a:r>
           </a:p>
         </p:txBody>

--- a/tehtavat/tiedostot/maol/power_point/Racket-MAOL-5-6-kuvat.pptx
+++ b/tehtavat/tiedostot/maol/power_point/Racket-MAOL-5-6-kuvat.pptx
@@ -10367,7 +10367,7 @@
         </p:blipFill>
         <p:spPr bwMode="auto">
           <a:xfrm>
-            <a:off x="405542" y="5262205"/>
+            <a:off x="353192" y="5445224"/>
             <a:ext cx="1254667" cy="1254668"/>
           </a:xfrm>
           <a:prstGeom prst="rect">
@@ -10696,7 +10696,7 @@
         <p:spPr>
           <a:xfrm>
             <a:off x="450601" y="2082594"/>
-            <a:ext cx="8216631" cy="3323987"/>
+            <a:ext cx="8216631" cy="3693319"/>
           </a:xfrm>
           <a:prstGeom prst="rect">
             <a:avLst/>
@@ -10820,7 +10820,7 @@
                 <a:latin typeface="Arial" charset="0"/>
                 <a:cs typeface="Courier New" panose="02070309020205020404" pitchFamily="49" charset="0"/>
               </a:rPr>
-              <a:t> tarkoittavat? Mitä tapahtuu, jos annat näiden tilalla numeron väliltä 0-255?</a:t>
+              <a:t> tarkoittavat? Mitä tapahtuu, jos annat näiden sijaan kokonaisluvun väliltä 0-255?</a:t>
             </a:r>
           </a:p>
           <a:p>
@@ -10914,7 +10914,7 @@
         </p:blipFill>
         <p:spPr bwMode="auto">
           <a:xfrm>
-            <a:off x="7163754" y="5133041"/>
+            <a:off x="7280238" y="5316060"/>
             <a:ext cx="1495802" cy="1383832"/>
           </a:xfrm>
           <a:prstGeom prst="rect">

--- a/tehtavat/tiedostot/maol/power_point/Racket-MAOL-5-6-kuvat.pptx
+++ b/tehtavat/tiedostot/maol/power_point/Racket-MAOL-5-6-kuvat.pptx
@@ -12796,7 +12796,7 @@
         <p:spPr>
           <a:xfrm>
             <a:off x="1264530" y="1670017"/>
-            <a:ext cx="7393049" cy="2800767"/>
+            <a:ext cx="7617799" cy="2800767"/>
           </a:xfrm>
           <a:prstGeom prst="rect">
             <a:avLst/>
@@ -12865,7 +12865,7 @@
                 <a:latin typeface="Courier New" panose="02070309020205020404" pitchFamily="49" charset="0"/>
                 <a:cs typeface="Courier New" panose="02070309020205020404" pitchFamily="49" charset="0"/>
               </a:rPr>
-              <a:t>(rectangle 60 50 ”outline" "red") ; A=300</a:t>
+              <a:t>(rectangle 100 100 ”outline" "red"); A=10000</a:t>
             </a:r>
           </a:p>
         </p:txBody>
@@ -13042,7 +13042,7 @@
         </p:nvSpPr>
         <p:spPr>
           <a:xfrm>
-            <a:off x="7097143" y="4641275"/>
+            <a:off x="7481533" y="4654965"/>
             <a:ext cx="1326463" cy="369332"/>
           </a:xfrm>
           <a:prstGeom prst="rect">
@@ -13075,7 +13075,7 @@
         </p:nvSpPr>
         <p:spPr>
           <a:xfrm rot="16200000">
-            <a:off x="7637454" y="3850346"/>
+            <a:off x="8064639" y="3850346"/>
             <a:ext cx="160253" cy="1240874"/>
           </a:xfrm>
           <a:prstGeom prst="leftBrace">
@@ -13118,7 +13118,7 @@
         </p:nvSpPr>
         <p:spPr>
           <a:xfrm>
-            <a:off x="2267744" y="5109032"/>
+            <a:off x="2158476" y="5010607"/>
             <a:ext cx="4572000" cy="923330"/>
           </a:xfrm>
           <a:prstGeom prst="rect">
@@ -13157,7 +13157,7 @@
                 <a:latin typeface="Courier New" panose="02070309020205020404" pitchFamily="49" charset="0"/>
                 <a:cs typeface="Courier New" panose="02070309020205020404" pitchFamily="49" charset="0"/>
               </a:rPr>
-              <a:t>(* 50 60)</a:t>
+              <a:t>(* 100 100)</a:t>
             </a:r>
             <a:r>
               <a:rPr lang="fi-FI" dirty="0">
@@ -13441,7 +13441,7 @@
         <p:spPr>
           <a:xfrm>
             <a:off x="1264530" y="1670017"/>
-            <a:ext cx="7393049" cy="2800767"/>
+            <a:ext cx="7459139" cy="2800767"/>
           </a:xfrm>
           <a:prstGeom prst="rect">
             <a:avLst/>
@@ -13510,7 +13510,7 @@
                 <a:latin typeface="Courier New" panose="02070309020205020404" pitchFamily="49" charset="0"/>
                 <a:cs typeface="Courier New" panose="02070309020205020404" pitchFamily="49" charset="0"/>
               </a:rPr>
-              <a:t>(rectangle 60 50 "solid" ”blue") ; p=120</a:t>
+              <a:t>(rectangle 300 300 "solid" ”blue") ; p=1200</a:t>
             </a:r>
           </a:p>
         </p:txBody>
@@ -13687,7 +13687,7 @@
         </p:nvSpPr>
         <p:spPr>
           <a:xfrm>
-            <a:off x="6914662" y="4676481"/>
+            <a:off x="7405492" y="4648378"/>
             <a:ext cx="1326463" cy="369332"/>
           </a:xfrm>
           <a:prstGeom prst="rect">
@@ -13720,8 +13720,8 @@
         </p:nvSpPr>
         <p:spPr>
           <a:xfrm rot="16200000">
-            <a:off x="7454973" y="3885552"/>
-            <a:ext cx="160253" cy="1240874"/>
+            <a:off x="7996258" y="3922815"/>
+            <a:ext cx="115330" cy="1211270"/>
           </a:xfrm>
           <a:prstGeom prst="leftBrace">
             <a:avLst/>
